--- a/381_t11.pptx
+++ b/381_t11.pptx
@@ -109,7 +109,7 @@
   </p:defaultTextStyle>
   <p:extLst>
     <p:ext uri="{EFAFB233-063F-42B5-8137-9DF3F51BA10A}">
-      <p15:sldGuideLst xmlns:p15="http://schemas.microsoft.com/office/powerpoint/2012/main"/>
+      <p15:sldGuideLst xmlns:p15="http://schemas.microsoft.com/office/powerpoint/2012/main" xmlns=""/>
     </p:ext>
   </p:extLst>
 </p:presentation>
@@ -246,7 +246,7 @@
           <a:p>
             <a:fld id="{4135DF2C-12BB-F144-8F7E-BF7E9E8E41C5}" type="datetimeFigureOut">
               <a:rPr kumimoji="1" lang="zh-TW" altLang="en-US" smtClean="0"/>
-              <a:t>2016/11/20</a:t>
+              <a:t>2016/11/21</a:t>
             </a:fld>
             <a:endParaRPr kumimoji="1" lang="zh-TW" altLang="en-US"/>
           </a:p>
@@ -411,7 +411,7 @@
           <a:p>
             <a:fld id="{4135DF2C-12BB-F144-8F7E-BF7E9E8E41C5}" type="datetimeFigureOut">
               <a:rPr kumimoji="1" lang="zh-TW" altLang="en-US" smtClean="0"/>
-              <a:t>2016/11/20</a:t>
+              <a:t>2016/11/21</a:t>
             </a:fld>
             <a:endParaRPr kumimoji="1" lang="zh-TW" altLang="en-US"/>
           </a:p>
@@ -586,7 +586,7 @@
           <a:p>
             <a:fld id="{4135DF2C-12BB-F144-8F7E-BF7E9E8E41C5}" type="datetimeFigureOut">
               <a:rPr kumimoji="1" lang="zh-TW" altLang="en-US" smtClean="0"/>
-              <a:t>2016/11/20</a:t>
+              <a:t>2016/11/21</a:t>
             </a:fld>
             <a:endParaRPr kumimoji="1" lang="zh-TW" altLang="en-US"/>
           </a:p>
@@ -751,7 +751,7 @@
           <a:p>
             <a:fld id="{4135DF2C-12BB-F144-8F7E-BF7E9E8E41C5}" type="datetimeFigureOut">
               <a:rPr kumimoji="1" lang="zh-TW" altLang="en-US" smtClean="0"/>
-              <a:t>2016/11/20</a:t>
+              <a:t>2016/11/21</a:t>
             </a:fld>
             <a:endParaRPr kumimoji="1" lang="zh-TW" altLang="en-US"/>
           </a:p>
@@ -990,7 +990,7 @@
           <a:p>
             <a:fld id="{4135DF2C-12BB-F144-8F7E-BF7E9E8E41C5}" type="datetimeFigureOut">
               <a:rPr kumimoji="1" lang="zh-TW" altLang="en-US" smtClean="0"/>
-              <a:t>2016/11/20</a:t>
+              <a:t>2016/11/21</a:t>
             </a:fld>
             <a:endParaRPr kumimoji="1" lang="zh-TW" altLang="en-US"/>
           </a:p>
@@ -1217,7 +1217,7 @@
           <a:p>
             <a:fld id="{4135DF2C-12BB-F144-8F7E-BF7E9E8E41C5}" type="datetimeFigureOut">
               <a:rPr kumimoji="1" lang="zh-TW" altLang="en-US" smtClean="0"/>
-              <a:t>2016/11/20</a:t>
+              <a:t>2016/11/21</a:t>
             </a:fld>
             <a:endParaRPr kumimoji="1" lang="zh-TW" altLang="en-US"/>
           </a:p>
@@ -1579,7 +1579,7 @@
           <a:p>
             <a:fld id="{4135DF2C-12BB-F144-8F7E-BF7E9E8E41C5}" type="datetimeFigureOut">
               <a:rPr kumimoji="1" lang="zh-TW" altLang="en-US" smtClean="0"/>
-              <a:t>2016/11/20</a:t>
+              <a:t>2016/11/21</a:t>
             </a:fld>
             <a:endParaRPr kumimoji="1" lang="zh-TW" altLang="en-US"/>
           </a:p>
@@ -1692,7 +1692,7 @@
           <a:p>
             <a:fld id="{4135DF2C-12BB-F144-8F7E-BF7E9E8E41C5}" type="datetimeFigureOut">
               <a:rPr kumimoji="1" lang="zh-TW" altLang="en-US" smtClean="0"/>
-              <a:t>2016/11/20</a:t>
+              <a:t>2016/11/21</a:t>
             </a:fld>
             <a:endParaRPr kumimoji="1" lang="zh-TW" altLang="en-US"/>
           </a:p>
@@ -1782,7 +1782,7 @@
           <a:p>
             <a:fld id="{4135DF2C-12BB-F144-8F7E-BF7E9E8E41C5}" type="datetimeFigureOut">
               <a:rPr kumimoji="1" lang="zh-TW" altLang="en-US" smtClean="0"/>
-              <a:t>2016/11/20</a:t>
+              <a:t>2016/11/21</a:t>
             </a:fld>
             <a:endParaRPr kumimoji="1" lang="zh-TW" altLang="en-US"/>
           </a:p>
@@ -2054,7 +2054,7 @@
           <a:p>
             <a:fld id="{4135DF2C-12BB-F144-8F7E-BF7E9E8E41C5}" type="datetimeFigureOut">
               <a:rPr kumimoji="1" lang="zh-TW" altLang="en-US" smtClean="0"/>
-              <a:t>2016/11/20</a:t>
+              <a:t>2016/11/21</a:t>
             </a:fld>
             <a:endParaRPr kumimoji="1" lang="zh-TW" altLang="en-US"/>
           </a:p>
@@ -2306,7 +2306,7 @@
           <a:p>
             <a:fld id="{4135DF2C-12BB-F144-8F7E-BF7E9E8E41C5}" type="datetimeFigureOut">
               <a:rPr kumimoji="1" lang="zh-TW" altLang="en-US" smtClean="0"/>
-              <a:t>2016/11/20</a:t>
+              <a:t>2016/11/21</a:t>
             </a:fld>
             <a:endParaRPr kumimoji="1" lang="zh-TW" altLang="en-US"/>
           </a:p>
@@ -2514,7 +2514,7 @@
           <a:p>
             <a:fld id="{4135DF2C-12BB-F144-8F7E-BF7E9E8E41C5}" type="datetimeFigureOut">
               <a:rPr kumimoji="1" lang="zh-TW" altLang="en-US" smtClean="0"/>
-              <a:t>2016/11/20</a:t>
+              <a:t>2016/11/21</a:t>
             </a:fld>
             <a:endParaRPr kumimoji="1" lang="zh-TW" altLang="en-US"/>
           </a:p>
@@ -2936,15 +2936,7 @@
           <a:p>
             <a:r>
               <a:rPr kumimoji="1" lang="en-US" altLang="zh-TW" dirty="0" smtClean="0"/>
-              <a:t>381 Tutorial </a:t>
-            </a:r>
-            <a:r>
-              <a:rPr kumimoji="1" lang="en-US" altLang="zh-TW" dirty="0" smtClean="0"/>
-              <a:t>11</a:t>
-            </a:r>
-            <a:r>
-              <a:rPr kumimoji="1" lang="en-US" altLang="zh-TW" dirty="0" smtClean="0"/>
-              <a:t/>
+              <a:t>381 Tutorial 11</a:t>
             </a:r>
             <a:br>
               <a:rPr kumimoji="1" lang="en-US" altLang="zh-TW" dirty="0" smtClean="0"/>
@@ -2955,11 +2947,7 @@
             </a:r>
             <a:r>
               <a:rPr kumimoji="1" lang="en-US" altLang="zh-TW" dirty="0" smtClean="0"/>
-              <a:t> Express </a:t>
-            </a:r>
-            <a:r>
-              <a:rPr kumimoji="1" lang="en-US" altLang="zh-TW" dirty="0" smtClean="0"/>
-              <a:t>(4)</a:t>
+              <a:t> Express (4)</a:t>
             </a:r>
             <a:endParaRPr kumimoji="1" lang="zh-TW" altLang="en-US" dirty="0"/>
           </a:p>
@@ -3343,8 +3331,16 @@
               <a:t>app.get</a:t>
             </a:r>
             <a:r>
-              <a:rPr kumimoji="1" lang="en-US" altLang="zh-TW" dirty="0" smtClean="0"/>
-              <a:t>('a', function(</a:t>
+              <a:rPr kumimoji="1" lang="en-US" altLang="zh-TW" dirty="0"/>
+              <a:t>('/</a:t>
+            </a:r>
+            <a:r>
+              <a:rPr kumimoji="1" lang="en-US" altLang="zh-TW" dirty="0" smtClean="0"/>
+              <a:t>a</a:t>
+            </a:r>
+            <a:r>
+              <a:rPr kumimoji="1" lang="en-US" altLang="zh-TW" dirty="0" smtClean="0"/>
+              <a:t>', function(</a:t>
             </a:r>
             <a:r>
               <a:rPr kumimoji="1" lang="en-US" altLang="zh-TW" dirty="0" err="1" smtClean="0"/>
@@ -3401,8 +3397,16 @@
               <a:t>app.get</a:t>
             </a:r>
             <a:r>
-              <a:rPr kumimoji="1" lang="en-US" altLang="zh-TW" dirty="0" smtClean="0"/>
-              <a:t>('b', </a:t>
+              <a:rPr kumimoji="1" lang="en-US" altLang="zh-TW" dirty="0"/>
+              <a:t>('/</a:t>
+            </a:r>
+            <a:r>
+              <a:rPr kumimoji="1" lang="en-US" altLang="zh-TW" dirty="0" smtClean="0"/>
+              <a:t>b</a:t>
+            </a:r>
+            <a:r>
+              <a:rPr kumimoji="1" lang="en-US" altLang="zh-TW" dirty="0" smtClean="0"/>
+              <a:t>', </a:t>
             </a:r>
             <a:r>
               <a:rPr kumimoji="1" lang="en-US" altLang="zh-TW" dirty="0"/>
@@ -3493,8 +3497,16 @@
               <a:t>app.get</a:t>
             </a:r>
             <a:r>
-              <a:rPr kumimoji="1" lang="en-US" altLang="zh-TW" dirty="0" smtClean="0"/>
-              <a:t>('c', function(</a:t>
+              <a:rPr kumimoji="1" lang="en-US" altLang="zh-TW" dirty="0"/>
+              <a:t>('/</a:t>
+            </a:r>
+            <a:r>
+              <a:rPr kumimoji="1" lang="en-US" altLang="zh-TW" dirty="0" smtClean="0"/>
+              <a:t>c</a:t>
+            </a:r>
+            <a:r>
+              <a:rPr kumimoji="1" lang="en-US" altLang="zh-TW" dirty="0" smtClean="0"/>
+              <a:t>', function(</a:t>
             </a:r>
             <a:r>
               <a:rPr kumimoji="1" lang="en-US" altLang="zh-TW" dirty="0" err="1" smtClean="0"/>
@@ -3681,7 +3693,15 @@
             <a:pPr lvl="1"/>
             <a:r>
               <a:rPr kumimoji="1" lang="en-US" altLang="zh-TW" dirty="0" smtClean="0"/>
-              <a:t>GET /c	➤ Run line 4 only (5 will never be run)</a:t>
+              <a:t>GET /c	➤ Run line </a:t>
+            </a:r>
+            <a:r>
+              <a:rPr kumimoji="1" lang="en-US" altLang="zh-TW" dirty="0" smtClean="0"/>
+              <a:t>1, 4 </a:t>
+            </a:r>
+            <a:r>
+              <a:rPr kumimoji="1" lang="en-US" altLang="zh-TW" dirty="0" smtClean="0"/>
+              <a:t>only (5 will never be run)</a:t>
             </a:r>
             <a:endParaRPr kumimoji="1" lang="en-US" altLang="zh-TW" dirty="0"/>
           </a:p>
@@ -3856,7 +3876,7 @@
     </a:clrScheme>
     <a:fontScheme name="Office 佈景主題">
       <a:majorFont>
-        <a:latin typeface="Calibri Light" panose="020F0302020204030204"/>
+        <a:latin typeface="Calibri Light"/>
         <a:ea typeface=""/>
         <a:cs typeface=""/>
         <a:font script="Jpan" typeface="游ゴシック Light"/>
@@ -3891,7 +3911,7 @@
         <a:font script="Geor" typeface="Sylfaen"/>
       </a:majorFont>
       <a:minorFont>
-        <a:latin typeface="Calibri" panose="020F0502020204030204"/>
+        <a:latin typeface="Calibri"/>
         <a:ea typeface=""/>
         <a:cs typeface=""/>
         <a:font script="Jpan" typeface="游ゴシック"/>
@@ -4068,7 +4088,7 @@
   <a:extraClrSchemeLst/>
   <a:extLst>
     <a:ext uri="{05A4C25C-085E-4340-85A3-A5531E510DB2}">
-      <thm15:themeFamily xmlns:thm15="http://schemas.microsoft.com/office/thememl/2012/main" name="Office Theme" id="{62F939B6-93AF-4DB8-9C6B-D6C7DFDC589F}" vid="{4A3C46E8-61CC-4603-A589-7422A47A8E4A}"/>
+      <thm15:themeFamily xmlns:thm15="http://schemas.microsoft.com/office/thememl/2012/main" xmlns="" name="Office Theme" id="{62F939B6-93AF-4DB8-9C6B-D6C7DFDC589F}" vid="{4A3C46E8-61CC-4603-A589-7422A47A8E4A}"/>
     </a:ext>
   </a:extLst>
 </a:theme>
